--- a/papers/taneja-eXpress-FASE20111/Figures/executionTree.pptx
+++ b/papers/taneja-eXpress-FASE20111/Figures/executionTree.pptx
@@ -192,7 +192,8 @@
           <a:p>
             <a:fld id="{0164C9E4-465E-4A79-B4FD-45A92F521FE0}" type="datetimeFigureOut">
               <a:rPr lang="en-US" smtClean="0"/>
-              <a:t>2/1/2010</a:t>
+              <a:pPr/>
+              <a:t>10/4/2010</a:t>
             </a:fld>
             <a:endParaRPr lang="en-US"/>
           </a:p>
@@ -353,6 +354,7 @@
           <a:p>
             <a:fld id="{494490B3-70F5-4BB3-965A-DF7BBF927EFF}" type="slidenum">
               <a:rPr lang="en-US" smtClean="0"/>
+              <a:pPr/>
               <a:t>‹#›</a:t>
             </a:fld>
             <a:endParaRPr lang="en-US"/>
@@ -524,6 +526,7 @@
           <a:p>
             <a:fld id="{494490B3-70F5-4BB3-965A-DF7BBF927EFF}" type="slidenum">
               <a:rPr lang="en-US" smtClean="0"/>
+              <a:pPr/>
               <a:t>1</a:t>
             </a:fld>
             <a:endParaRPr lang="en-US"/>
@@ -720,7 +723,7 @@
             <a:fld id="{EC7CDDA5-181F-4465-99B4-8FE89B7C20FF}" type="datetimeFigureOut">
               <a:rPr lang="en-US" smtClean="0"/>
               <a:pPr/>
-              <a:t>2/1/2010</a:t>
+              <a:t>10/4/2010</a:t>
             </a:fld>
             <a:endParaRPr lang="en-US"/>
           </a:p>
@@ -887,7 +890,7 @@
             <a:fld id="{EC7CDDA5-181F-4465-99B4-8FE89B7C20FF}" type="datetimeFigureOut">
               <a:rPr lang="en-US" smtClean="0"/>
               <a:pPr/>
-              <a:t>2/1/2010</a:t>
+              <a:t>10/4/2010</a:t>
             </a:fld>
             <a:endParaRPr lang="en-US"/>
           </a:p>
@@ -1064,7 +1067,7 @@
             <a:fld id="{EC7CDDA5-181F-4465-99B4-8FE89B7C20FF}" type="datetimeFigureOut">
               <a:rPr lang="en-US" smtClean="0"/>
               <a:pPr/>
-              <a:t>2/1/2010</a:t>
+              <a:t>10/4/2010</a:t>
             </a:fld>
             <a:endParaRPr lang="en-US"/>
           </a:p>
@@ -1231,7 +1234,7 @@
             <a:fld id="{EC7CDDA5-181F-4465-99B4-8FE89B7C20FF}" type="datetimeFigureOut">
               <a:rPr lang="en-US" smtClean="0"/>
               <a:pPr/>
-              <a:t>2/1/2010</a:t>
+              <a:t>10/4/2010</a:t>
             </a:fld>
             <a:endParaRPr lang="en-US"/>
           </a:p>
@@ -1474,7 +1477,7 @@
             <a:fld id="{EC7CDDA5-181F-4465-99B4-8FE89B7C20FF}" type="datetimeFigureOut">
               <a:rPr lang="en-US" smtClean="0"/>
               <a:pPr/>
-              <a:t>2/1/2010</a:t>
+              <a:t>10/4/2010</a:t>
             </a:fld>
             <a:endParaRPr lang="en-US"/>
           </a:p>
@@ -1759,7 +1762,7 @@
             <a:fld id="{EC7CDDA5-181F-4465-99B4-8FE89B7C20FF}" type="datetimeFigureOut">
               <a:rPr lang="en-US" smtClean="0"/>
               <a:pPr/>
-              <a:t>2/1/2010</a:t>
+              <a:t>10/4/2010</a:t>
             </a:fld>
             <a:endParaRPr lang="en-US"/>
           </a:p>
@@ -2178,7 +2181,7 @@
             <a:fld id="{EC7CDDA5-181F-4465-99B4-8FE89B7C20FF}" type="datetimeFigureOut">
               <a:rPr lang="en-US" smtClean="0"/>
               <a:pPr/>
-              <a:t>2/1/2010</a:t>
+              <a:t>10/4/2010</a:t>
             </a:fld>
             <a:endParaRPr lang="en-US"/>
           </a:p>
@@ -2293,7 +2296,7 @@
             <a:fld id="{EC7CDDA5-181F-4465-99B4-8FE89B7C20FF}" type="datetimeFigureOut">
               <a:rPr lang="en-US" smtClean="0"/>
               <a:pPr/>
-              <a:t>2/1/2010</a:t>
+              <a:t>10/4/2010</a:t>
             </a:fld>
             <a:endParaRPr lang="en-US"/>
           </a:p>
@@ -2385,7 +2388,7 @@
             <a:fld id="{EC7CDDA5-181F-4465-99B4-8FE89B7C20FF}" type="datetimeFigureOut">
               <a:rPr lang="en-US" smtClean="0"/>
               <a:pPr/>
-              <a:t>2/1/2010</a:t>
+              <a:t>10/4/2010</a:t>
             </a:fld>
             <a:endParaRPr lang="en-US"/>
           </a:p>
@@ -2659,7 +2662,7 @@
             <a:fld id="{EC7CDDA5-181F-4465-99B4-8FE89B7C20FF}" type="datetimeFigureOut">
               <a:rPr lang="en-US" smtClean="0"/>
               <a:pPr/>
-              <a:t>2/1/2010</a:t>
+              <a:t>10/4/2010</a:t>
             </a:fld>
             <a:endParaRPr lang="en-US"/>
           </a:p>
@@ -2909,7 +2912,7 @@
             <a:fld id="{EC7CDDA5-181F-4465-99B4-8FE89B7C20FF}" type="datetimeFigureOut">
               <a:rPr lang="en-US" smtClean="0"/>
               <a:pPr/>
-              <a:t>2/1/2010</a:t>
+              <a:t>10/4/2010</a:t>
             </a:fld>
             <a:endParaRPr lang="en-US"/>
           </a:p>
@@ -3119,7 +3122,7 @@
             <a:fld id="{EC7CDDA5-181F-4465-99B4-8FE89B7C20FF}" type="datetimeFigureOut">
               <a:rPr lang="en-US" smtClean="0"/>
               <a:pPr/>
-              <a:t>2/1/2010</a:t>
+              <a:t>10/4/2010</a:t>
             </a:fld>
             <a:endParaRPr lang="en-US"/>
           </a:p>
@@ -3779,7 +3782,7 @@
             <a:pPr algn="ctr"/>
             <a:r>
               <a:rPr lang="en-US" dirty="0" smtClean="0"/>
-              <a:t>7</a:t>
+              <a:t>6</a:t>
             </a:r>
             <a:endParaRPr lang="en-US" dirty="0"/>
           </a:p>
@@ -3932,7 +3935,7 @@
             <a:pPr algn="ctr"/>
             <a:r>
               <a:rPr lang="en-US" dirty="0" smtClean="0"/>
-              <a:t>7</a:t>
+              <a:t>6</a:t>
             </a:r>
             <a:endParaRPr lang="en-US" dirty="0"/>
           </a:p>
@@ -3983,7 +3986,7 @@
             <a:pPr algn="ctr"/>
             <a:r>
               <a:rPr lang="en-US" dirty="0" smtClean="0"/>
-              <a:t>7</a:t>
+              <a:t>6</a:t>
             </a:r>
             <a:endParaRPr lang="en-US" dirty="0"/>
           </a:p>
@@ -4034,7 +4037,7 @@
             <a:pPr algn="ctr"/>
             <a:r>
               <a:rPr lang="en-US" dirty="0" smtClean="0"/>
-              <a:t>9</a:t>
+              <a:t>7</a:t>
             </a:r>
             <a:endParaRPr lang="en-US" dirty="0"/>
           </a:p>
@@ -4509,7 +4512,7 @@
             <a:pPr algn="ctr"/>
             <a:r>
               <a:rPr lang="en-US" dirty="0" smtClean="0"/>
-              <a:t>9</a:t>
+              <a:t>7</a:t>
             </a:r>
             <a:endParaRPr lang="en-US" dirty="0"/>
           </a:p>
@@ -4860,7 +4863,7 @@
             <a:pPr algn="ctr"/>
             <a:r>
               <a:rPr lang="en-US" dirty="0" smtClean="0"/>
-              <a:t>13</a:t>
+              <a:t>10</a:t>
             </a:r>
             <a:endParaRPr lang="en-US" dirty="0"/>
           </a:p>
@@ -5275,7 +5278,7 @@
             <a:pPr algn="ctr"/>
             <a:r>
               <a:rPr lang="en-US" sz="1100" dirty="0" smtClean="0"/>
-              <a:t>11</a:t>
+              <a:t>8</a:t>
             </a:r>
             <a:endParaRPr lang="en-US" sz="1100" dirty="0"/>
           </a:p>
